--- a/PJ2018/T1_T3.pptx
+++ b/PJ2018/T1_T3.pptx
@@ -5,7 +5,7 @@
     <p:sldMasterId id="2147483648" r:id="rId1"/>
   </p:sldMasterIdLst>
   <p:notesMasterIdLst>
-    <p:notesMasterId r:id="rId29"/>
+    <p:notesMasterId r:id="rId30"/>
   </p:notesMasterIdLst>
   <p:sldIdLst>
     <p:sldId id="256" r:id="rId2"/>
@@ -20,21 +20,22 @@
     <p:sldId id="272" r:id="rId11"/>
     <p:sldId id="273" r:id="rId12"/>
     <p:sldId id="274" r:id="rId13"/>
-    <p:sldId id="275" r:id="rId14"/>
-    <p:sldId id="276" r:id="rId15"/>
-    <p:sldId id="277" r:id="rId16"/>
-    <p:sldId id="279" r:id="rId17"/>
-    <p:sldId id="280" r:id="rId18"/>
-    <p:sldId id="281" r:id="rId19"/>
-    <p:sldId id="282" r:id="rId20"/>
-    <p:sldId id="283" r:id="rId21"/>
-    <p:sldId id="284" r:id="rId22"/>
-    <p:sldId id="285" r:id="rId23"/>
-    <p:sldId id="287" r:id="rId24"/>
-    <p:sldId id="288" r:id="rId25"/>
-    <p:sldId id="289" r:id="rId26"/>
-    <p:sldId id="290" r:id="rId27"/>
-    <p:sldId id="291" r:id="rId28"/>
+    <p:sldId id="293" r:id="rId14"/>
+    <p:sldId id="275" r:id="rId15"/>
+    <p:sldId id="276" r:id="rId16"/>
+    <p:sldId id="277" r:id="rId17"/>
+    <p:sldId id="279" r:id="rId18"/>
+    <p:sldId id="280" r:id="rId19"/>
+    <p:sldId id="281" r:id="rId20"/>
+    <p:sldId id="282" r:id="rId21"/>
+    <p:sldId id="283" r:id="rId22"/>
+    <p:sldId id="284" r:id="rId23"/>
+    <p:sldId id="285" r:id="rId24"/>
+    <p:sldId id="287" r:id="rId25"/>
+    <p:sldId id="288" r:id="rId26"/>
+    <p:sldId id="289" r:id="rId27"/>
+    <p:sldId id="290" r:id="rId28"/>
+    <p:sldId id="291" r:id="rId29"/>
   </p:sldIdLst>
   <p:sldSz cx="9144000" cy="6858000" type="screen4x3"/>
   <p:notesSz cx="6858000" cy="9144000"/>
@@ -133,6 +134,22 @@
       </a:defRPr>
     </a:lvl9pPr>
   </p:defaultTextStyle>
+  <p:extLst>
+    <p:ext uri="{EFAFB233-063F-42B5-8137-9DF3F51BA10A}">
+      <p15:sldGuideLst xmlns:p15="http://schemas.microsoft.com/office/powerpoint/2012/main">
+        <p15:guide id="1" orient="horz" pos="2160">
+          <p15:clr>
+            <a:srgbClr val="A4A3A4"/>
+          </p15:clr>
+        </p15:guide>
+        <p15:guide id="2" pos="2880">
+          <p15:clr>
+            <a:srgbClr val="A4A3A4"/>
+          </p15:clr>
+        </p15:guide>
+      </p15:sldGuideLst>
+    </p:ext>
+  </p:extLst>
 </p:presentation>
 </file>
 
@@ -219,7 +236,7 @@
             <a:fld id="{FD06D7A0-6BA0-42F3-9DA8-844D3784846B}" type="datetimeFigureOut">
               <a:rPr lang="zh-CN" altLang="en-US" smtClean="0"/>
               <a:pPr/>
-              <a:t>2018/11/30</a:t>
+              <a:t>2018/12/1</a:t>
             </a:fld>
             <a:endParaRPr lang="zh-CN" altLang="en-US"/>
           </a:p>
@@ -386,6 +403,11 @@
         </p:txBody>
       </p:sp>
     </p:spTree>
+    <p:extLst>
+      <p:ext uri="{BB962C8B-B14F-4D97-AF65-F5344CB8AC3E}">
+        <p14:creationId xmlns:p14="http://schemas.microsoft.com/office/powerpoint/2010/main" val="3137408756"/>
+      </p:ext>
+    </p:extLst>
   </p:cSld>
   <p:clrMap bg1="lt1" tx1="dk1" bg2="lt2" tx2="dk2" accent1="accent1" accent2="accent2" accent3="accent3" accent4="accent4" accent5="accent5" accent6="accent6" hlink="hlink" folHlink="folHlink"/>
   <p:notesStyle>
@@ -556,6 +578,11 @@
         </p:txBody>
       </p:sp>
     </p:spTree>
+    <p:extLst>
+      <p:ext uri="{BB962C8B-B14F-4D97-AF65-F5344CB8AC3E}">
+        <p14:creationId xmlns:p14="http://schemas.microsoft.com/office/powerpoint/2010/main" val="176660514"/>
+      </p:ext>
+    </p:extLst>
   </p:cSld>
   <p:clrMapOvr>
     <a:masterClrMapping/>
@@ -636,6 +663,11 @@
         </p:txBody>
       </p:sp>
     </p:spTree>
+    <p:extLst>
+      <p:ext uri="{BB962C8B-B14F-4D97-AF65-F5344CB8AC3E}">
+        <p14:creationId xmlns:p14="http://schemas.microsoft.com/office/powerpoint/2010/main" val="1439156856"/>
+      </p:ext>
+    </p:extLst>
   </p:cSld>
   <p:clrMapOvr>
     <a:masterClrMapping/>
@@ -716,6 +748,11 @@
         </p:txBody>
       </p:sp>
     </p:spTree>
+    <p:extLst>
+      <p:ext uri="{BB962C8B-B14F-4D97-AF65-F5344CB8AC3E}">
+        <p14:creationId xmlns:p14="http://schemas.microsoft.com/office/powerpoint/2010/main" val="3237911318"/>
+      </p:ext>
+    </p:extLst>
   </p:cSld>
   <p:clrMapOvr>
     <a:masterClrMapping/>
@@ -796,6 +833,11 @@
         </p:txBody>
       </p:sp>
     </p:spTree>
+    <p:extLst>
+      <p:ext uri="{BB962C8B-B14F-4D97-AF65-F5344CB8AC3E}">
+        <p14:creationId xmlns:p14="http://schemas.microsoft.com/office/powerpoint/2010/main" val="1877054499"/>
+      </p:ext>
+    </p:extLst>
   </p:cSld>
   <p:clrMapOvr>
     <a:masterClrMapping/>
@@ -876,6 +918,11 @@
         </p:txBody>
       </p:sp>
     </p:spTree>
+    <p:extLst>
+      <p:ext uri="{BB962C8B-B14F-4D97-AF65-F5344CB8AC3E}">
+        <p14:creationId xmlns:p14="http://schemas.microsoft.com/office/powerpoint/2010/main" val="2251241300"/>
+      </p:ext>
+    </p:extLst>
   </p:cSld>
   <p:clrMapOvr>
     <a:masterClrMapping/>
@@ -956,6 +1003,11 @@
         </p:txBody>
       </p:sp>
     </p:spTree>
+    <p:extLst>
+      <p:ext uri="{BB962C8B-B14F-4D97-AF65-F5344CB8AC3E}">
+        <p14:creationId xmlns:p14="http://schemas.microsoft.com/office/powerpoint/2010/main" val="16145735"/>
+      </p:ext>
+    </p:extLst>
   </p:cSld>
   <p:clrMapOvr>
     <a:masterClrMapping/>
@@ -1036,6 +1088,11 @@
         </p:txBody>
       </p:sp>
     </p:spTree>
+    <p:extLst>
+      <p:ext uri="{BB962C8B-B14F-4D97-AF65-F5344CB8AC3E}">
+        <p14:creationId xmlns:p14="http://schemas.microsoft.com/office/powerpoint/2010/main" val="1768282774"/>
+      </p:ext>
+    </p:extLst>
   </p:cSld>
   <p:clrMapOvr>
     <a:masterClrMapping/>
@@ -1116,6 +1173,11 @@
         </p:txBody>
       </p:sp>
     </p:spTree>
+    <p:extLst>
+      <p:ext uri="{BB962C8B-B14F-4D97-AF65-F5344CB8AC3E}">
+        <p14:creationId xmlns:p14="http://schemas.microsoft.com/office/powerpoint/2010/main" val="3644239779"/>
+      </p:ext>
+    </p:extLst>
   </p:cSld>
   <p:clrMapOvr>
     <a:masterClrMapping/>
@@ -1196,6 +1258,11 @@
         </p:txBody>
       </p:sp>
     </p:spTree>
+    <p:extLst>
+      <p:ext uri="{BB962C8B-B14F-4D97-AF65-F5344CB8AC3E}">
+        <p14:creationId xmlns:p14="http://schemas.microsoft.com/office/powerpoint/2010/main" val="3314721658"/>
+      </p:ext>
+    </p:extLst>
   </p:cSld>
   <p:clrMapOvr>
     <a:masterClrMapping/>
@@ -1276,6 +1343,96 @@
         </p:txBody>
       </p:sp>
     </p:spTree>
+    <p:extLst>
+      <p:ext uri="{BB962C8B-B14F-4D97-AF65-F5344CB8AC3E}">
+        <p14:creationId xmlns:p14="http://schemas.microsoft.com/office/powerpoint/2010/main" val="3632362921"/>
+      </p:ext>
+    </p:extLst>
+  </p:cSld>
+  <p:clrMapOvr>
+    <a:masterClrMapping/>
+  </p:clrMapOvr>
+</p:notes>
+</file>
+
+<file path=ppt/notesSlides/notesSlide19.xml><?xml version="1.0" encoding="utf-8"?>
+<p:notes xmlns:a="http://schemas.openxmlformats.org/drawingml/2006/main" xmlns:r="http://schemas.openxmlformats.org/officeDocument/2006/relationships" xmlns:p="http://schemas.openxmlformats.org/presentationml/2006/main">
+  <p:cSld>
+    <p:spTree>
+      <p:nvGrpSpPr>
+        <p:cNvPr id="1" name=""/>
+        <p:cNvGrpSpPr/>
+        <p:nvPr/>
+      </p:nvGrpSpPr>
+      <p:grpSpPr>
+        <a:xfrm>
+          <a:off x="0" y="0"/>
+          <a:ext cx="0" cy="0"/>
+          <a:chOff x="0" y="0"/>
+          <a:chExt cx="0" cy="0"/>
+        </a:xfrm>
+      </p:grpSpPr>
+      <p:sp>
+        <p:nvSpPr>
+          <p:cNvPr id="2" name="幻灯片图像占位符 1"/>
+          <p:cNvSpPr>
+            <a:spLocks noGrp="1" noRot="1" noChangeAspect="1"/>
+          </p:cNvSpPr>
+          <p:nvPr>
+            <p:ph type="sldImg"/>
+          </p:nvPr>
+        </p:nvSpPr>
+        <p:spPr/>
+      </p:sp>
+      <p:sp>
+        <p:nvSpPr>
+          <p:cNvPr id="3" name="备注占位符 2"/>
+          <p:cNvSpPr>
+            <a:spLocks noGrp="1"/>
+          </p:cNvSpPr>
+          <p:nvPr>
+            <p:ph type="body" idx="1"/>
+          </p:nvPr>
+        </p:nvSpPr>
+        <p:spPr/>
+        <p:txBody>
+          <a:bodyPr/>
+          <a:lstStyle/>
+          <a:p>
+            <a:endParaRPr lang="zh-CN" altLang="en-US" dirty="0"/>
+          </a:p>
+        </p:txBody>
+      </p:sp>
+      <p:sp>
+        <p:nvSpPr>
+          <p:cNvPr id="4" name="灯片编号占位符 3"/>
+          <p:cNvSpPr>
+            <a:spLocks noGrp="1"/>
+          </p:cNvSpPr>
+          <p:nvPr>
+            <p:ph type="sldNum" sz="quarter" idx="10"/>
+          </p:nvPr>
+        </p:nvSpPr>
+        <p:spPr/>
+        <p:txBody>
+          <a:bodyPr/>
+          <a:lstStyle/>
+          <a:p>
+            <a:fld id="{BD2C98A1-9643-4B3F-9EB3-3F36212C7D30}" type="slidenum">
+              <a:rPr lang="zh-CN" altLang="en-US" smtClean="0"/>
+              <a:pPr/>
+              <a:t>28</a:t>
+            </a:fld>
+            <a:endParaRPr lang="zh-CN" altLang="en-US"/>
+          </a:p>
+        </p:txBody>
+      </p:sp>
+    </p:spTree>
+    <p:extLst>
+      <p:ext uri="{BB962C8B-B14F-4D97-AF65-F5344CB8AC3E}">
+        <p14:creationId xmlns:p14="http://schemas.microsoft.com/office/powerpoint/2010/main" val="626236723"/>
+      </p:ext>
+    </p:extLst>
   </p:cSld>
   <p:clrMapOvr>
     <a:masterClrMapping/>
@@ -1356,6 +1513,11 @@
         </p:txBody>
       </p:sp>
     </p:spTree>
+    <p:extLst>
+      <p:ext uri="{BB962C8B-B14F-4D97-AF65-F5344CB8AC3E}">
+        <p14:creationId xmlns:p14="http://schemas.microsoft.com/office/powerpoint/2010/main" val="3476580599"/>
+      </p:ext>
+    </p:extLst>
   </p:cSld>
   <p:clrMapOvr>
     <a:masterClrMapping/>
@@ -1436,6 +1598,11 @@
         </p:txBody>
       </p:sp>
     </p:spTree>
+    <p:extLst>
+      <p:ext uri="{BB962C8B-B14F-4D97-AF65-F5344CB8AC3E}">
+        <p14:creationId xmlns:p14="http://schemas.microsoft.com/office/powerpoint/2010/main" val="1705977714"/>
+      </p:ext>
+    </p:extLst>
   </p:cSld>
   <p:clrMapOvr>
     <a:masterClrMapping/>
@@ -1516,6 +1683,11 @@
         </p:txBody>
       </p:sp>
     </p:spTree>
+    <p:extLst>
+      <p:ext uri="{BB962C8B-B14F-4D97-AF65-F5344CB8AC3E}">
+        <p14:creationId xmlns:p14="http://schemas.microsoft.com/office/powerpoint/2010/main" val="3377156178"/>
+      </p:ext>
+    </p:extLst>
   </p:cSld>
   <p:clrMapOvr>
     <a:masterClrMapping/>
@@ -1596,6 +1768,11 @@
         </p:txBody>
       </p:sp>
     </p:spTree>
+    <p:extLst>
+      <p:ext uri="{BB962C8B-B14F-4D97-AF65-F5344CB8AC3E}">
+        <p14:creationId xmlns:p14="http://schemas.microsoft.com/office/powerpoint/2010/main" val="2630488318"/>
+      </p:ext>
+    </p:extLst>
   </p:cSld>
   <p:clrMapOvr>
     <a:masterClrMapping/>
@@ -1676,6 +1853,11 @@
         </p:txBody>
       </p:sp>
     </p:spTree>
+    <p:extLst>
+      <p:ext uri="{BB962C8B-B14F-4D97-AF65-F5344CB8AC3E}">
+        <p14:creationId xmlns:p14="http://schemas.microsoft.com/office/powerpoint/2010/main" val="971477997"/>
+      </p:ext>
+    </p:extLst>
   </p:cSld>
   <p:clrMapOvr>
     <a:masterClrMapping/>
@@ -1756,6 +1938,11 @@
         </p:txBody>
       </p:sp>
     </p:spTree>
+    <p:extLst>
+      <p:ext uri="{BB962C8B-B14F-4D97-AF65-F5344CB8AC3E}">
+        <p14:creationId xmlns:p14="http://schemas.microsoft.com/office/powerpoint/2010/main" val="3015502843"/>
+      </p:ext>
+    </p:extLst>
   </p:cSld>
   <p:clrMapOvr>
     <a:masterClrMapping/>
@@ -1836,6 +2023,11 @@
         </p:txBody>
       </p:sp>
     </p:spTree>
+    <p:extLst>
+      <p:ext uri="{BB962C8B-B14F-4D97-AF65-F5344CB8AC3E}">
+        <p14:creationId xmlns:p14="http://schemas.microsoft.com/office/powerpoint/2010/main" val="3457226379"/>
+      </p:ext>
+    </p:extLst>
   </p:cSld>
   <p:clrMapOvr>
     <a:masterClrMapping/>
@@ -1916,6 +2108,11 @@
         </p:txBody>
       </p:sp>
     </p:spTree>
+    <p:extLst>
+      <p:ext uri="{BB962C8B-B14F-4D97-AF65-F5344CB8AC3E}">
+        <p14:creationId xmlns:p14="http://schemas.microsoft.com/office/powerpoint/2010/main" val="1705148197"/>
+      </p:ext>
+    </p:extLst>
   </p:cSld>
   <p:clrMapOvr>
     <a:masterClrMapping/>
@@ -2105,7 +2302,7 @@
             <a:fld id="{657A260F-ED6C-420D-AC23-8794FF2F9192}" type="datetimeFigureOut">
               <a:rPr lang="zh-CN" altLang="en-US" smtClean="0"/>
               <a:pPr/>
-              <a:t>2018/11/30</a:t>
+              <a:t>2018/12/1</a:t>
             </a:fld>
             <a:endParaRPr lang="zh-CN" altLang="en-US"/>
           </a:p>
@@ -2272,7 +2469,7 @@
             <a:fld id="{657A260F-ED6C-420D-AC23-8794FF2F9192}" type="datetimeFigureOut">
               <a:rPr lang="zh-CN" altLang="en-US" smtClean="0"/>
               <a:pPr/>
-              <a:t>2018/11/30</a:t>
+              <a:t>2018/12/1</a:t>
             </a:fld>
             <a:endParaRPr lang="zh-CN" altLang="en-US"/>
           </a:p>
@@ -2449,7 +2646,7 @@
             <a:fld id="{657A260F-ED6C-420D-AC23-8794FF2F9192}" type="datetimeFigureOut">
               <a:rPr lang="zh-CN" altLang="en-US" smtClean="0"/>
               <a:pPr/>
-              <a:t>2018/11/30</a:t>
+              <a:t>2018/12/1</a:t>
             </a:fld>
             <a:endParaRPr lang="zh-CN" altLang="en-US"/>
           </a:p>
@@ -2616,7 +2813,7 @@
             <a:fld id="{657A260F-ED6C-420D-AC23-8794FF2F9192}" type="datetimeFigureOut">
               <a:rPr lang="zh-CN" altLang="en-US" smtClean="0"/>
               <a:pPr/>
-              <a:t>2018/11/30</a:t>
+              <a:t>2018/12/1</a:t>
             </a:fld>
             <a:endParaRPr lang="zh-CN" altLang="en-US"/>
           </a:p>
@@ -2859,7 +3056,7 @@
             <a:fld id="{657A260F-ED6C-420D-AC23-8794FF2F9192}" type="datetimeFigureOut">
               <a:rPr lang="zh-CN" altLang="en-US" smtClean="0"/>
               <a:pPr/>
-              <a:t>2018/11/30</a:t>
+              <a:t>2018/12/1</a:t>
             </a:fld>
             <a:endParaRPr lang="zh-CN" altLang="en-US"/>
           </a:p>
@@ -3144,7 +3341,7 @@
             <a:fld id="{657A260F-ED6C-420D-AC23-8794FF2F9192}" type="datetimeFigureOut">
               <a:rPr lang="zh-CN" altLang="en-US" smtClean="0"/>
               <a:pPr/>
-              <a:t>2018/11/30</a:t>
+              <a:t>2018/12/1</a:t>
             </a:fld>
             <a:endParaRPr lang="zh-CN" altLang="en-US"/>
           </a:p>
@@ -3563,7 +3760,7 @@
             <a:fld id="{657A260F-ED6C-420D-AC23-8794FF2F9192}" type="datetimeFigureOut">
               <a:rPr lang="zh-CN" altLang="en-US" smtClean="0"/>
               <a:pPr/>
-              <a:t>2018/11/30</a:t>
+              <a:t>2018/12/1</a:t>
             </a:fld>
             <a:endParaRPr lang="zh-CN" altLang="en-US"/>
           </a:p>
@@ -3678,7 +3875,7 @@
             <a:fld id="{657A260F-ED6C-420D-AC23-8794FF2F9192}" type="datetimeFigureOut">
               <a:rPr lang="zh-CN" altLang="en-US" smtClean="0"/>
               <a:pPr/>
-              <a:t>2018/11/30</a:t>
+              <a:t>2018/12/1</a:t>
             </a:fld>
             <a:endParaRPr lang="zh-CN" altLang="en-US"/>
           </a:p>
@@ -3770,7 +3967,7 @@
             <a:fld id="{657A260F-ED6C-420D-AC23-8794FF2F9192}" type="datetimeFigureOut">
               <a:rPr lang="zh-CN" altLang="en-US" smtClean="0"/>
               <a:pPr/>
-              <a:t>2018/11/30</a:t>
+              <a:t>2018/12/1</a:t>
             </a:fld>
             <a:endParaRPr lang="zh-CN" altLang="en-US"/>
           </a:p>
@@ -4044,7 +4241,7 @@
             <a:fld id="{657A260F-ED6C-420D-AC23-8794FF2F9192}" type="datetimeFigureOut">
               <a:rPr lang="zh-CN" altLang="en-US" smtClean="0"/>
               <a:pPr/>
-              <a:t>2018/11/30</a:t>
+              <a:t>2018/12/1</a:t>
             </a:fld>
             <a:endParaRPr lang="zh-CN" altLang="en-US"/>
           </a:p>
@@ -4298,7 +4495,7 @@
             <a:fld id="{657A260F-ED6C-420D-AC23-8794FF2F9192}" type="datetimeFigureOut">
               <a:rPr lang="zh-CN" altLang="en-US" smtClean="0"/>
               <a:pPr/>
-              <a:t>2018/11/30</a:t>
+              <a:t>2018/12/1</a:t>
             </a:fld>
             <a:endParaRPr lang="zh-CN" altLang="en-US"/>
           </a:p>
@@ -4517,7 +4714,7 @@
             <a:fld id="{657A260F-ED6C-420D-AC23-8794FF2F9192}" type="datetimeFigureOut">
               <a:rPr lang="zh-CN" altLang="en-US" smtClean="0"/>
               <a:pPr/>
-              <a:t>2018/11/30</a:t>
+              <a:t>2018/12/1</a:t>
             </a:fld>
             <a:endParaRPr lang="zh-CN" altLang="en-US"/>
           </a:p>
@@ -5095,11 +5292,7 @@
           <a:p>
             <a:r>
               <a:rPr lang="zh-CN" altLang="en-US" dirty="0" smtClean="0"/>
-              <a:t>先对时间数组排序，然后扫描一遍即可</a:t>
-            </a:r>
-            <a:r>
-              <a:rPr lang="zh-CN" altLang="en-US" dirty="0" smtClean="0"/>
-              <a:t>。</a:t>
+              <a:t>先对时间数组排序，然后扫描一遍即可。</a:t>
             </a:r>
             <a:endParaRPr lang="en-US" altLang="zh-CN" dirty="0" smtClean="0"/>
           </a:p>
@@ -5294,27 +5487,7 @@
           <a:p>
             <a:r>
               <a:rPr lang="zh-CN" altLang="en-US" dirty="0" smtClean="0"/>
-              <a:t>搜索</a:t>
-            </a:r>
-            <a:r>
-              <a:rPr lang="zh-CN" altLang="en-US" dirty="0" smtClean="0"/>
-              <a:t>是</a:t>
-            </a:r>
-            <a:r>
-              <a:rPr lang="zh-CN" altLang="en-US" dirty="0" smtClean="0"/>
-              <a:t>解决问题</a:t>
-            </a:r>
-            <a:r>
-              <a:rPr lang="zh-CN" altLang="en-US" dirty="0" smtClean="0"/>
-              <a:t>的好</a:t>
-            </a:r>
-            <a:r>
-              <a:rPr lang="zh-CN" altLang="en-US" dirty="0" smtClean="0"/>
-              <a:t>方法</a:t>
-            </a:r>
-            <a:r>
-              <a:rPr lang="zh-CN" altLang="en-US" dirty="0" smtClean="0"/>
-              <a:t>，我们考虑用</a:t>
+              <a:t>搜索是解决问题的好方法，我们考虑用</a:t>
             </a:r>
             <a:r>
               <a:rPr lang="en-US" altLang="zh-CN" dirty="0" smtClean="0"/>
@@ -5412,6 +5585,123 @@
         <p:spPr/>
         <p:txBody>
           <a:bodyPr>
+            <a:normAutofit/>
+          </a:bodyPr>
+          <a:lstStyle/>
+          <a:p>
+            <a:r>
+              <a:rPr lang="zh-CN" altLang="en-US" dirty="0"/>
+              <a:t>我们在考虑一</a:t>
+            </a:r>
+            <a:r>
+              <a:rPr lang="zh-CN" altLang="en-US" dirty="0" smtClean="0"/>
+              <a:t>个比较复杂的问题时，可以先把问题</a:t>
+            </a:r>
+            <a:r>
+              <a:rPr lang="zh-CN" altLang="en-US" b="1" dirty="0" smtClean="0"/>
+              <a:t>转化</a:t>
+            </a:r>
+            <a:r>
+              <a:rPr lang="zh-CN" altLang="en-US" dirty="0" smtClean="0"/>
+              <a:t>为一个比较容易解决的</a:t>
+            </a:r>
+            <a:r>
+              <a:rPr lang="zh-CN" altLang="en-US" b="1" dirty="0"/>
+              <a:t>子</a:t>
+            </a:r>
+            <a:r>
+              <a:rPr lang="zh-CN" altLang="en-US" b="1" dirty="0" smtClean="0"/>
+              <a:t>问题</a:t>
+            </a:r>
+            <a:r>
+              <a:rPr lang="zh-CN" altLang="en-US" dirty="0" smtClean="0"/>
+              <a:t>，再逐步转化为解决原来的问题。</a:t>
+            </a:r>
+            <a:endParaRPr lang="en-US" altLang="zh-CN" dirty="0" smtClean="0"/>
+          </a:p>
+          <a:p>
+            <a:r>
+              <a:rPr lang="zh-CN" altLang="en-US" dirty="0"/>
+              <a:t>根据这个思</a:t>
+            </a:r>
+            <a:r>
+              <a:rPr lang="zh-CN" altLang="en-US" dirty="0" smtClean="0"/>
+              <a:t>想，我们考虑如何把这题拆分为子问题。</a:t>
+            </a:r>
+          </a:p>
+        </p:txBody>
+      </p:sp>
+    </p:spTree>
+  </p:cSld>
+  <p:clrMapOvr>
+    <a:masterClrMapping/>
+  </p:clrMapOvr>
+  <p:timing>
+    <p:tnLst>
+      <p:par>
+        <p:cTn id="1" dur="indefinite" restart="never" nodeType="tmRoot"/>
+      </p:par>
+    </p:tnLst>
+  </p:timing>
+</p:sld>
+</file>
+
+<file path=ppt/slides/slide13.xml><?xml version="1.0" encoding="utf-8"?>
+<p:sld xmlns:a="http://schemas.openxmlformats.org/drawingml/2006/main" xmlns:r="http://schemas.openxmlformats.org/officeDocument/2006/relationships" xmlns:p="http://schemas.openxmlformats.org/presentationml/2006/main">
+  <p:cSld>
+    <p:spTree>
+      <p:nvGrpSpPr>
+        <p:cNvPr id="1" name=""/>
+        <p:cNvGrpSpPr/>
+        <p:nvPr/>
+      </p:nvGrpSpPr>
+      <p:grpSpPr>
+        <a:xfrm>
+          <a:off x="0" y="0"/>
+          <a:ext cx="0" cy="0"/>
+          <a:chOff x="0" y="0"/>
+          <a:chExt cx="0" cy="0"/>
+        </a:xfrm>
+      </p:grpSpPr>
+      <p:sp>
+        <p:nvSpPr>
+          <p:cNvPr id="2" name="标题 1"/>
+          <p:cNvSpPr>
+            <a:spLocks noGrp="1"/>
+          </p:cNvSpPr>
+          <p:nvPr>
+            <p:ph type="title"/>
+          </p:nvPr>
+        </p:nvSpPr>
+        <p:spPr/>
+        <p:txBody>
+          <a:bodyPr/>
+          <a:lstStyle/>
+          <a:p>
+            <a:r>
+              <a:rPr lang="en-US" altLang="zh-CN" dirty="0" smtClean="0"/>
+              <a:t>T3 </a:t>
+            </a:r>
+            <a:r>
+              <a:rPr lang="zh-CN" altLang="en-US" dirty="0"/>
+              <a:t>摆渡车</a:t>
+            </a:r>
+          </a:p>
+        </p:txBody>
+      </p:sp>
+      <p:sp>
+        <p:nvSpPr>
+          <p:cNvPr id="3" name="内容占位符 2"/>
+          <p:cNvSpPr>
+            <a:spLocks noGrp="1"/>
+          </p:cNvSpPr>
+          <p:nvPr>
+            <p:ph idx="1"/>
+          </p:nvPr>
+        </p:nvSpPr>
+        <p:spPr/>
+        <p:txBody>
+          <a:bodyPr>
             <a:normAutofit lnSpcReduction="10000"/>
           </a:bodyPr>
           <a:lstStyle/>
@@ -5436,6 +5726,11 @@
         </p:txBody>
       </p:sp>
     </p:spTree>
+    <p:extLst>
+      <p:ext uri="{BB962C8B-B14F-4D97-AF65-F5344CB8AC3E}">
+        <p14:creationId xmlns:p14="http://schemas.microsoft.com/office/powerpoint/2010/main" val="937045107"/>
+      </p:ext>
+    </p:extLst>
   </p:cSld>
   <p:clrMapOvr>
     <a:masterClrMapping/>
@@ -5595,7 +5890,7 @@
 </p:sld>
 </file>
 
-<file path=ppt/slides/slide13.xml><?xml version="1.0" encoding="utf-8"?>
+<file path=ppt/slides/slide14.xml><?xml version="1.0" encoding="utf-8"?>
 <p:sld xmlns:a="http://schemas.openxmlformats.org/drawingml/2006/main" xmlns:r="http://schemas.openxmlformats.org/officeDocument/2006/relationships" xmlns:p="http://schemas.openxmlformats.org/presentationml/2006/main">
   <p:cSld>
     <p:spTree>
@@ -5819,102 +6114,6 @@
 </p:sld>
 </file>
 
-<file path=ppt/slides/slide14.xml><?xml version="1.0" encoding="utf-8"?>
-<p:sld xmlns:a="http://schemas.openxmlformats.org/drawingml/2006/main" xmlns:r="http://schemas.openxmlformats.org/officeDocument/2006/relationships" xmlns:p="http://schemas.openxmlformats.org/presentationml/2006/main">
-  <p:cSld>
-    <p:spTree>
-      <p:nvGrpSpPr>
-        <p:cNvPr id="1" name=""/>
-        <p:cNvGrpSpPr/>
-        <p:nvPr/>
-      </p:nvGrpSpPr>
-      <p:grpSpPr>
-        <a:xfrm>
-          <a:off x="0" y="0"/>
-          <a:ext cx="0" cy="0"/>
-          <a:chOff x="0" y="0"/>
-          <a:chExt cx="0" cy="0"/>
-        </a:xfrm>
-      </p:grpSpPr>
-      <p:sp>
-        <p:nvSpPr>
-          <p:cNvPr id="2" name="标题 1"/>
-          <p:cNvSpPr>
-            <a:spLocks noGrp="1"/>
-          </p:cNvSpPr>
-          <p:nvPr>
-            <p:ph type="title"/>
-          </p:nvPr>
-        </p:nvSpPr>
-        <p:spPr/>
-        <p:txBody>
-          <a:bodyPr/>
-          <a:lstStyle/>
-          <a:p>
-            <a:r>
-              <a:rPr lang="en-US" altLang="zh-CN" dirty="0" smtClean="0"/>
-              <a:t>T3 </a:t>
-            </a:r>
-            <a:r>
-              <a:rPr lang="zh-CN" altLang="en-US" dirty="0"/>
-              <a:t>摆渡车</a:t>
-            </a:r>
-          </a:p>
-        </p:txBody>
-      </p:sp>
-      <p:sp>
-        <p:nvSpPr>
-          <p:cNvPr id="3" name="内容占位符 2"/>
-          <p:cNvSpPr>
-            <a:spLocks noGrp="1"/>
-          </p:cNvSpPr>
-          <p:nvPr>
-            <p:ph idx="1"/>
-          </p:nvPr>
-        </p:nvSpPr>
-        <p:spPr/>
-        <p:txBody>
-          <a:bodyPr>
-            <a:normAutofit/>
-          </a:bodyPr>
-          <a:lstStyle/>
-          <a:p>
-            <a:r>
-              <a:rPr lang="zh-CN" altLang="en-US" dirty="0" smtClean="0"/>
-              <a:t>下面考虑如何枚举下一班车。</a:t>
-            </a:r>
-          </a:p>
-          <a:p>
-            <a:r>
-              <a:rPr lang="zh-CN" altLang="en-US" dirty="0" smtClean="0"/>
-              <a:t>先来</a:t>
-            </a:r>
-            <a:r>
-              <a:rPr lang="zh-CN" altLang="en-US" dirty="0" smtClean="0"/>
-              <a:t>证明一个</a:t>
-            </a:r>
-            <a:r>
-              <a:rPr lang="zh-CN" altLang="en-US" dirty="0" smtClean="0"/>
-              <a:t>引理。</a:t>
-            </a:r>
-          </a:p>
-        </p:txBody>
-      </p:sp>
-    </p:spTree>
-  </p:cSld>
-  <p:clrMapOvr>
-    <a:masterClrMapping/>
-  </p:clrMapOvr>
-  <p:timing>
-    <p:tnLst>
-      <p:par>
-        <p:cTn id="1" dur="indefinite" restart="never" nodeType="tmRoot"/>
-      </p:par>
-    </p:tnLst>
-  </p:timing>
-</p:sld>
-</file>
-
 <file path=ppt/slides/slide15.xml><?xml version="1.0" encoding="utf-8"?>
 <p:sld xmlns:a="http://schemas.openxmlformats.org/drawingml/2006/main" xmlns:r="http://schemas.openxmlformats.org/officeDocument/2006/relationships" xmlns:p="http://schemas.openxmlformats.org/presentationml/2006/main">
   <p:cSld>
@@ -5977,6 +6176,94 @@
           <a:p>
             <a:r>
               <a:rPr lang="zh-CN" altLang="en-US" dirty="0" smtClean="0"/>
+              <a:t>下面考虑如何枚举下一班车。</a:t>
+            </a:r>
+          </a:p>
+          <a:p>
+            <a:r>
+              <a:rPr lang="zh-CN" altLang="en-US" dirty="0" smtClean="0"/>
+              <a:t>先来证明一个引理。</a:t>
+            </a:r>
+          </a:p>
+        </p:txBody>
+      </p:sp>
+    </p:spTree>
+  </p:cSld>
+  <p:clrMapOvr>
+    <a:masterClrMapping/>
+  </p:clrMapOvr>
+  <p:timing>
+    <p:tnLst>
+      <p:par>
+        <p:cTn id="1" dur="indefinite" restart="never" nodeType="tmRoot"/>
+      </p:par>
+    </p:tnLst>
+  </p:timing>
+</p:sld>
+</file>
+
+<file path=ppt/slides/slide16.xml><?xml version="1.0" encoding="utf-8"?>
+<p:sld xmlns:a="http://schemas.openxmlformats.org/drawingml/2006/main" xmlns:r="http://schemas.openxmlformats.org/officeDocument/2006/relationships" xmlns:p="http://schemas.openxmlformats.org/presentationml/2006/main">
+  <p:cSld>
+    <p:spTree>
+      <p:nvGrpSpPr>
+        <p:cNvPr id="1" name=""/>
+        <p:cNvGrpSpPr/>
+        <p:nvPr/>
+      </p:nvGrpSpPr>
+      <p:grpSpPr>
+        <a:xfrm>
+          <a:off x="0" y="0"/>
+          <a:ext cx="0" cy="0"/>
+          <a:chOff x="0" y="0"/>
+          <a:chExt cx="0" cy="0"/>
+        </a:xfrm>
+      </p:grpSpPr>
+      <p:sp>
+        <p:nvSpPr>
+          <p:cNvPr id="2" name="标题 1"/>
+          <p:cNvSpPr>
+            <a:spLocks noGrp="1"/>
+          </p:cNvSpPr>
+          <p:nvPr>
+            <p:ph type="title"/>
+          </p:nvPr>
+        </p:nvSpPr>
+        <p:spPr/>
+        <p:txBody>
+          <a:bodyPr/>
+          <a:lstStyle/>
+          <a:p>
+            <a:r>
+              <a:rPr lang="en-US" altLang="zh-CN" dirty="0" smtClean="0"/>
+              <a:t>T3 </a:t>
+            </a:r>
+            <a:r>
+              <a:rPr lang="zh-CN" altLang="en-US" dirty="0"/>
+              <a:t>摆渡车</a:t>
+            </a:r>
+          </a:p>
+        </p:txBody>
+      </p:sp>
+      <p:sp>
+        <p:nvSpPr>
+          <p:cNvPr id="3" name="内容占位符 2"/>
+          <p:cNvSpPr>
+            <a:spLocks noGrp="1"/>
+          </p:cNvSpPr>
+          <p:nvPr>
+            <p:ph idx="1"/>
+          </p:nvPr>
+        </p:nvSpPr>
+        <p:spPr/>
+        <p:txBody>
+          <a:bodyPr>
+            <a:normAutofit/>
+          </a:bodyPr>
+          <a:lstStyle/>
+          <a:p>
+            <a:r>
+              <a:rPr lang="zh-CN" altLang="en-US" dirty="0" smtClean="0"/>
               <a:t>引理</a:t>
             </a:r>
             <a:r>
@@ -6023,11 +6310,7 @@
             </a:r>
             <a:r>
               <a:rPr lang="zh-CN" altLang="en-US" dirty="0" smtClean="0"/>
-              <a:t>的情况，答案不会变大</a:t>
-            </a:r>
-            <a:r>
-              <a:rPr lang="zh-CN" altLang="en-US" dirty="0" smtClean="0"/>
-              <a:t>。</a:t>
+              <a:t>的情况，答案不会变大。</a:t>
             </a:r>
             <a:endParaRPr lang="en-US" altLang="zh-CN" dirty="0" smtClean="0"/>
           </a:p>
@@ -6044,7 +6327,6 @@
               <a:rPr lang="zh-CN" altLang="en-US" dirty="0" smtClean="0"/>
               <a:t>。</a:t>
             </a:r>
-            <a:endParaRPr lang="zh-CN" altLang="en-US" dirty="0" smtClean="0"/>
           </a:p>
         </p:txBody>
       </p:sp>
@@ -6271,7 +6553,7 @@
 </p:sld>
 </file>
 
-<file path=ppt/slides/slide16.xml><?xml version="1.0" encoding="utf-8"?>
+<file path=ppt/slides/slide17.xml><?xml version="1.0" encoding="utf-8"?>
 <p:sld xmlns:a="http://schemas.openxmlformats.org/drawingml/2006/main" xmlns:r="http://schemas.openxmlformats.org/officeDocument/2006/relationships" xmlns:p="http://schemas.openxmlformats.org/presentationml/2006/main">
   <p:cSld>
     <p:spTree>
@@ -6333,15 +6615,7 @@
           <a:p>
             <a:r>
               <a:rPr lang="zh-CN" altLang="en-US" dirty="0" smtClean="0"/>
-              <a:t>根据</a:t>
-            </a:r>
-            <a:r>
-              <a:rPr lang="zh-CN" altLang="en-US" dirty="0" smtClean="0"/>
-              <a:t>这个</a:t>
-            </a:r>
-            <a:r>
-              <a:rPr lang="zh-CN" altLang="en-US" dirty="0" smtClean="0"/>
-              <a:t>引理，我们就有了一个搜索策略。</a:t>
+              <a:t>根据这个引理，我们就有了一个搜索策略。</a:t>
             </a:r>
           </a:p>
           <a:p>
@@ -6385,13 +6659,8 @@
             </a:r>
             <a:r>
               <a:rPr lang="zh-CN" altLang="en-US" dirty="0" smtClean="0"/>
-              <a:t>的范围内枚举下一班车的发车时间，递归调用，取其最小值计算返回的答案</a:t>
-            </a:r>
-            <a:r>
-              <a:rPr lang="zh-CN" altLang="en-US" dirty="0" smtClean="0"/>
-              <a:t>。</a:t>
-            </a:r>
-            <a:endParaRPr lang="zh-CN" altLang="en-US" dirty="0" smtClean="0"/>
+              <a:t>的范围内枚举下一班车的发车时间，递归调用，取其最小值计算返回的答案。</a:t>
+            </a:r>
           </a:p>
         </p:txBody>
       </p:sp>
@@ -6555,7 +6824,7 @@
 </p:sld>
 </file>
 
-<file path=ppt/slides/slide17.xml><?xml version="1.0" encoding="utf-8"?>
+<file path=ppt/slides/slide18.xml><?xml version="1.0" encoding="utf-8"?>
 <p:sld xmlns:a="http://schemas.openxmlformats.org/drawingml/2006/main" xmlns:r="http://schemas.openxmlformats.org/officeDocument/2006/relationships" xmlns:p="http://schemas.openxmlformats.org/presentationml/2006/main">
   <p:cSld>
     <p:spTree>
@@ -6923,7 +7192,7 @@
 </p:sld>
 </file>
 
-<file path=ppt/slides/slide18.xml><?xml version="1.0" encoding="utf-8"?>
+<file path=ppt/slides/slide19.xml><?xml version="1.0" encoding="utf-8"?>
 <p:sld xmlns:a="http://schemas.openxmlformats.org/drawingml/2006/main" xmlns:r="http://schemas.openxmlformats.org/officeDocument/2006/relationships" xmlns:p="http://schemas.openxmlformats.org/presentationml/2006/main">
   <p:cSld>
     <p:spTree>
@@ -7290,7 +7559,7 @@
 </p:sld>
 </file>
 
-<file path=ppt/slides/slide19.xml><?xml version="1.0" encoding="utf-8"?>
+<file path=ppt/slides/slide2.xml><?xml version="1.0" encoding="utf-8"?>
 <p:sld xmlns:a="http://schemas.openxmlformats.org/drawingml/2006/main" xmlns:r="http://schemas.openxmlformats.org/officeDocument/2006/relationships" xmlns:p="http://schemas.openxmlformats.org/presentationml/2006/main">
   <p:cSld>
     <p:spTree>
@@ -7324,6 +7593,88 @@
           <a:p>
             <a:r>
               <a:rPr lang="en-US" altLang="zh-CN" dirty="0" smtClean="0"/>
+              <a:t>T1 </a:t>
+            </a:r>
+            <a:r>
+              <a:rPr lang="zh-CN" altLang="en-US" dirty="0" smtClean="0"/>
+              <a:t>标题统计</a:t>
+            </a:r>
+            <a:endParaRPr lang="zh-CN" altLang="en-US" dirty="0"/>
+          </a:p>
+        </p:txBody>
+      </p:sp>
+      <p:sp>
+        <p:nvSpPr>
+          <p:cNvPr id="3" name="内容占位符 2"/>
+          <p:cNvSpPr>
+            <a:spLocks noGrp="1"/>
+          </p:cNvSpPr>
+          <p:nvPr>
+            <p:ph idx="1"/>
+          </p:nvPr>
+        </p:nvSpPr>
+        <p:spPr/>
+        <p:txBody>
+          <a:bodyPr/>
+          <a:lstStyle/>
+          <a:p>
+            <a:r>
+              <a:rPr lang="zh-CN" altLang="en-US" dirty="0" smtClean="0"/>
+              <a:t>说明：今天代码库中的代码没有文件读写，大家在真正考试时要注意加上文件读写。</a:t>
+            </a:r>
+            <a:endParaRPr lang="en-US" altLang="zh-CN" dirty="0" smtClean="0"/>
+          </a:p>
+        </p:txBody>
+      </p:sp>
+    </p:spTree>
+  </p:cSld>
+  <p:clrMapOvr>
+    <a:masterClrMapping/>
+  </p:clrMapOvr>
+  <p:timing>
+    <p:tnLst>
+      <p:par>
+        <p:cTn id="1" dur="indefinite" restart="never" nodeType="tmRoot"/>
+      </p:par>
+    </p:tnLst>
+  </p:timing>
+</p:sld>
+</file>
+
+<file path=ppt/slides/slide20.xml><?xml version="1.0" encoding="utf-8"?>
+<p:sld xmlns:a="http://schemas.openxmlformats.org/drawingml/2006/main" xmlns:r="http://schemas.openxmlformats.org/officeDocument/2006/relationships" xmlns:p="http://schemas.openxmlformats.org/presentationml/2006/main">
+  <p:cSld>
+    <p:spTree>
+      <p:nvGrpSpPr>
+        <p:cNvPr id="1" name=""/>
+        <p:cNvGrpSpPr/>
+        <p:nvPr/>
+      </p:nvGrpSpPr>
+      <p:grpSpPr>
+        <a:xfrm>
+          <a:off x="0" y="0"/>
+          <a:ext cx="0" cy="0"/>
+          <a:chOff x="0" y="0"/>
+          <a:chExt cx="0" cy="0"/>
+        </a:xfrm>
+      </p:grpSpPr>
+      <p:sp>
+        <p:nvSpPr>
+          <p:cNvPr id="2" name="标题 1"/>
+          <p:cNvSpPr>
+            <a:spLocks noGrp="1"/>
+          </p:cNvSpPr>
+          <p:nvPr>
+            <p:ph type="title"/>
+          </p:nvPr>
+        </p:nvSpPr>
+        <p:spPr/>
+        <p:txBody>
+          <a:bodyPr/>
+          <a:lstStyle/>
+          <a:p>
+            <a:r>
+              <a:rPr lang="en-US" altLang="zh-CN" dirty="0" smtClean="0"/>
               <a:t>T3 </a:t>
             </a:r>
             <a:r>
@@ -7370,15 +7721,7 @@
           <a:p>
             <a:r>
               <a:rPr lang="zh-CN" altLang="en-US" dirty="0" smtClean="0"/>
-              <a:t>因为根据</a:t>
-            </a:r>
-            <a:r>
-              <a:rPr lang="zh-CN" altLang="en-US" dirty="0" smtClean="0"/>
-              <a:t>引理，</a:t>
-            </a:r>
-            <a:r>
-              <a:rPr lang="zh-CN" altLang="en-US" dirty="0" smtClean="0"/>
-              <a:t>相邻两辆车的时间间隔不会大于</a:t>
+              <a:t>因为根据引理，相邻两辆车的时间间隔不会大于</a:t>
             </a:r>
             <a:r>
               <a:rPr lang="en-US" altLang="zh-CN" dirty="0" smtClean="0"/>
@@ -7538,89 +7881,7 @@
 </p:sld>
 </file>
 
-<file path=ppt/slides/slide2.xml><?xml version="1.0" encoding="utf-8"?>
-<p:sld xmlns:a="http://schemas.openxmlformats.org/drawingml/2006/main" xmlns:r="http://schemas.openxmlformats.org/officeDocument/2006/relationships" xmlns:p="http://schemas.openxmlformats.org/presentationml/2006/main">
-  <p:cSld>
-    <p:spTree>
-      <p:nvGrpSpPr>
-        <p:cNvPr id="1" name=""/>
-        <p:cNvGrpSpPr/>
-        <p:nvPr/>
-      </p:nvGrpSpPr>
-      <p:grpSpPr>
-        <a:xfrm>
-          <a:off x="0" y="0"/>
-          <a:ext cx="0" cy="0"/>
-          <a:chOff x="0" y="0"/>
-          <a:chExt cx="0" cy="0"/>
-        </a:xfrm>
-      </p:grpSpPr>
-      <p:sp>
-        <p:nvSpPr>
-          <p:cNvPr id="2" name="标题 1"/>
-          <p:cNvSpPr>
-            <a:spLocks noGrp="1"/>
-          </p:cNvSpPr>
-          <p:nvPr>
-            <p:ph type="title"/>
-          </p:nvPr>
-        </p:nvSpPr>
-        <p:spPr/>
-        <p:txBody>
-          <a:bodyPr/>
-          <a:lstStyle/>
-          <a:p>
-            <a:r>
-              <a:rPr lang="en-US" altLang="zh-CN" dirty="0" smtClean="0"/>
-              <a:t>T1 </a:t>
-            </a:r>
-            <a:r>
-              <a:rPr lang="zh-CN" altLang="en-US" dirty="0" smtClean="0"/>
-              <a:t>标题统计</a:t>
-            </a:r>
-            <a:endParaRPr lang="zh-CN" altLang="en-US" dirty="0"/>
-          </a:p>
-        </p:txBody>
-      </p:sp>
-      <p:sp>
-        <p:nvSpPr>
-          <p:cNvPr id="3" name="内容占位符 2"/>
-          <p:cNvSpPr>
-            <a:spLocks noGrp="1"/>
-          </p:cNvSpPr>
-          <p:nvPr>
-            <p:ph idx="1"/>
-          </p:nvPr>
-        </p:nvSpPr>
-        <p:spPr/>
-        <p:txBody>
-          <a:bodyPr/>
-          <a:lstStyle/>
-          <a:p>
-            <a:r>
-              <a:rPr lang="zh-CN" altLang="en-US" dirty="0" smtClean="0"/>
-              <a:t>说明：今天代码库中的代码没有文件读写，大家在真正考试时要注意加上文件读写。</a:t>
-            </a:r>
-            <a:endParaRPr lang="en-US" altLang="zh-CN" dirty="0" smtClean="0"/>
-          </a:p>
-        </p:txBody>
-      </p:sp>
-    </p:spTree>
-  </p:cSld>
-  <p:clrMapOvr>
-    <a:masterClrMapping/>
-  </p:clrMapOvr>
-  <p:timing>
-    <p:tnLst>
-      <p:par>
-        <p:cTn id="1" dur="indefinite" restart="never" nodeType="tmRoot"/>
-      </p:par>
-    </p:tnLst>
-  </p:timing>
-</p:sld>
-</file>
-
-<file path=ppt/slides/slide20.xml><?xml version="1.0" encoding="utf-8"?>
+<file path=ppt/slides/slide21.xml><?xml version="1.0" encoding="utf-8"?>
 <p:sld xmlns:a="http://schemas.openxmlformats.org/drawingml/2006/main" xmlns:r="http://schemas.openxmlformats.org/officeDocument/2006/relationships" xmlns:p="http://schemas.openxmlformats.org/presentationml/2006/main">
   <p:cSld>
     <p:spTree>
@@ -7808,7 +8069,7 @@
 </p:sld>
 </file>
 
-<file path=ppt/slides/slide21.xml><?xml version="1.0" encoding="utf-8"?>
+<file path=ppt/slides/slide22.xml><?xml version="1.0" encoding="utf-8"?>
 <p:sld xmlns:a="http://schemas.openxmlformats.org/drawingml/2006/main" xmlns:r="http://schemas.openxmlformats.org/officeDocument/2006/relationships" xmlns:p="http://schemas.openxmlformats.org/presentationml/2006/main">
   <p:cSld>
     <p:spTree>
@@ -7876,15 +8137,7 @@
           <a:p>
             <a:r>
               <a:rPr lang="zh-CN" altLang="en-US" dirty="0" smtClean="0"/>
-              <a:t>做个小实验，看</a:t>
-            </a:r>
-            <a:r>
-              <a:rPr lang="zh-CN" altLang="en-US" dirty="0" smtClean="0"/>
-              <a:t>一下下面这段代码的执行结果</a:t>
-            </a:r>
-            <a:r>
-              <a:rPr lang="zh-CN" altLang="en-US" dirty="0" smtClean="0"/>
-              <a:t>。</a:t>
+              <a:t>做个小实验，看一下下面这段代码的执行结果。</a:t>
             </a:r>
             <a:endParaRPr lang="en-US" altLang="zh-CN" dirty="0" smtClean="0"/>
           </a:p>
@@ -7893,13 +8146,7 @@
               <a:rPr lang="en-US" altLang="zh-CN" dirty="0" smtClean="0">
                 <a:hlinkClick r:id="rId3" action="ppaction://hlinkfile"/>
               </a:rPr>
-              <a:t>r</a:t>
-            </a:r>
-            <a:r>
-              <a:rPr lang="en-US" altLang="zh-CN" dirty="0" smtClean="0">
-                <a:hlinkClick r:id="rId3" action="ppaction://hlinkfile"/>
-              </a:rPr>
-              <a:t>esources/bus_bfsearch_observe.cpp</a:t>
+              <a:t>resources/bus_bfsearch_observe.cpp</a:t>
             </a:r>
             <a:endParaRPr lang="zh-CN" altLang="en-US" dirty="0" smtClean="0"/>
           </a:p>
@@ -7914,19 +8161,7 @@
             </a:r>
             <a:r>
               <a:rPr lang="zh-CN" altLang="en-US" dirty="0" smtClean="0"/>
-              <a:t>，</a:t>
-            </a:r>
-            <a:r>
-              <a:rPr lang="zh-CN" altLang="en-US" dirty="0" smtClean="0"/>
-              <a:t>会</a:t>
-            </a:r>
-            <a:r>
-              <a:rPr lang="zh-CN" altLang="en-US" dirty="0" smtClean="0"/>
-              <a:t>发现</a:t>
-            </a:r>
-            <a:r>
-              <a:rPr lang="zh-CN" altLang="en-US" dirty="0" smtClean="0"/>
-              <a:t>，有许多重复的调用。</a:t>
+              <a:t>，会发现，有许多重复的调用。</a:t>
             </a:r>
           </a:p>
         </p:txBody>
@@ -8089,7 +8324,7 @@
 </p:sld>
 </file>
 
-<file path=ppt/slides/slide22.xml><?xml version="1.0" encoding="utf-8"?>
+<file path=ppt/slides/slide23.xml><?xml version="1.0" encoding="utf-8"?>
 <p:sld xmlns:a="http://schemas.openxmlformats.org/drawingml/2006/main" xmlns:r="http://schemas.openxmlformats.org/officeDocument/2006/relationships" xmlns:p="http://schemas.openxmlformats.org/presentationml/2006/main">
   <p:cSld>
     <p:spTree>
@@ -8287,108 +8522,6 @@
 </p:sld>
 </file>
 
-<file path=ppt/slides/slide23.xml><?xml version="1.0" encoding="utf-8"?>
-<p:sld xmlns:a="http://schemas.openxmlformats.org/drawingml/2006/main" xmlns:r="http://schemas.openxmlformats.org/officeDocument/2006/relationships" xmlns:p="http://schemas.openxmlformats.org/presentationml/2006/main">
-  <p:cSld>
-    <p:spTree>
-      <p:nvGrpSpPr>
-        <p:cNvPr id="1" name=""/>
-        <p:cNvGrpSpPr/>
-        <p:nvPr/>
-      </p:nvGrpSpPr>
-      <p:grpSpPr>
-        <a:xfrm>
-          <a:off x="0" y="0"/>
-          <a:ext cx="0" cy="0"/>
-          <a:chOff x="0" y="0"/>
-          <a:chExt cx="0" cy="0"/>
-        </a:xfrm>
-      </p:grpSpPr>
-      <p:sp>
-        <p:nvSpPr>
-          <p:cNvPr id="2" name="标题 1"/>
-          <p:cNvSpPr>
-            <a:spLocks noGrp="1"/>
-          </p:cNvSpPr>
-          <p:nvPr>
-            <p:ph type="title"/>
-          </p:nvPr>
-        </p:nvSpPr>
-        <p:spPr/>
-        <p:txBody>
-          <a:bodyPr/>
-          <a:lstStyle/>
-          <a:p>
-            <a:r>
-              <a:rPr lang="en-US" altLang="zh-CN" dirty="0" smtClean="0"/>
-              <a:t>T3 </a:t>
-            </a:r>
-            <a:r>
-              <a:rPr lang="zh-CN" altLang="en-US" dirty="0"/>
-              <a:t>摆渡车</a:t>
-            </a:r>
-          </a:p>
-        </p:txBody>
-      </p:sp>
-      <p:sp>
-        <p:nvSpPr>
-          <p:cNvPr id="3" name="内容占位符 2"/>
-          <p:cNvSpPr>
-            <a:spLocks noGrp="1"/>
-          </p:cNvSpPr>
-          <p:nvPr>
-            <p:ph idx="1"/>
-          </p:nvPr>
-        </p:nvSpPr>
-        <p:spPr/>
-        <p:txBody>
-          <a:bodyPr>
-            <a:normAutofit/>
-          </a:bodyPr>
-          <a:lstStyle/>
-          <a:p>
-            <a:r>
-              <a:rPr lang="zh-CN" altLang="en-US" dirty="0" smtClean="0"/>
-              <a:t>习近平总书记说：“忘记历史就意味着</a:t>
-            </a:r>
-            <a:r>
-              <a:rPr lang="zh-CN" altLang="en-US" dirty="0" smtClean="0"/>
-              <a:t>背叛。”</a:t>
-            </a:r>
-            <a:endParaRPr lang="en-US" altLang="zh-CN" dirty="0" smtClean="0"/>
-          </a:p>
-          <a:p>
-            <a:r>
-              <a:rPr lang="zh-CN" altLang="en-US" dirty="0" smtClean="0"/>
-              <a:t>我们的</a:t>
-            </a:r>
-            <a:r>
-              <a:rPr lang="en-US" altLang="zh-CN" dirty="0" err="1" smtClean="0"/>
-              <a:t>dfs</a:t>
-            </a:r>
-            <a:r>
-              <a:rPr lang="zh-CN" altLang="en-US" dirty="0" smtClean="0"/>
-              <a:t>函数也要有记住过去的能力，这种记录答案以避免重复计算的技巧，我们称为“记忆化搜索”。</a:t>
-            </a:r>
-            <a:endParaRPr lang="en-US" altLang="zh-CN" dirty="0" smtClean="0"/>
-          </a:p>
-        </p:txBody>
-      </p:sp>
-    </p:spTree>
-  </p:cSld>
-  <p:clrMapOvr>
-    <a:masterClrMapping/>
-  </p:clrMapOvr>
-  <p:timing>
-    <p:tnLst>
-      <p:par>
-        <p:cTn id="1" dur="indefinite" restart="never" nodeType="tmRoot"/>
-      </p:par>
-    </p:tnLst>
-  </p:timing>
-</p:sld>
-</file>
-
 <file path=ppt/slides/slide24.xml><?xml version="1.0" encoding="utf-8"?>
 <p:sld xmlns:a="http://schemas.openxmlformats.org/drawingml/2006/main" xmlns:r="http://schemas.openxmlformats.org/officeDocument/2006/relationships" xmlns:p="http://schemas.openxmlformats.org/presentationml/2006/main">
   <p:cSld>
@@ -8451,6 +8584,104 @@
           <a:p>
             <a:r>
               <a:rPr lang="zh-CN" altLang="en-US" dirty="0" smtClean="0"/>
+              <a:t>习近平总书记说：“忘记历史就意味着背叛。”</a:t>
+            </a:r>
+            <a:endParaRPr lang="en-US" altLang="zh-CN" dirty="0" smtClean="0"/>
+          </a:p>
+          <a:p>
+            <a:r>
+              <a:rPr lang="zh-CN" altLang="en-US" dirty="0" smtClean="0"/>
+              <a:t>我们的</a:t>
+            </a:r>
+            <a:r>
+              <a:rPr lang="en-US" altLang="zh-CN" dirty="0" err="1" smtClean="0"/>
+              <a:t>dfs</a:t>
+            </a:r>
+            <a:r>
+              <a:rPr lang="zh-CN" altLang="en-US" dirty="0" smtClean="0"/>
+              <a:t>函数也要有记住过去的能力，这种记录答案以避免重复计算的技巧，我们称为“记忆化搜索”。</a:t>
+            </a:r>
+            <a:endParaRPr lang="en-US" altLang="zh-CN" dirty="0" smtClean="0"/>
+          </a:p>
+        </p:txBody>
+      </p:sp>
+    </p:spTree>
+  </p:cSld>
+  <p:clrMapOvr>
+    <a:masterClrMapping/>
+  </p:clrMapOvr>
+  <p:timing>
+    <p:tnLst>
+      <p:par>
+        <p:cTn id="1" dur="indefinite" restart="never" nodeType="tmRoot"/>
+      </p:par>
+    </p:tnLst>
+  </p:timing>
+</p:sld>
+</file>
+
+<file path=ppt/slides/slide25.xml><?xml version="1.0" encoding="utf-8"?>
+<p:sld xmlns:a="http://schemas.openxmlformats.org/drawingml/2006/main" xmlns:r="http://schemas.openxmlformats.org/officeDocument/2006/relationships" xmlns:p="http://schemas.openxmlformats.org/presentationml/2006/main">
+  <p:cSld>
+    <p:spTree>
+      <p:nvGrpSpPr>
+        <p:cNvPr id="1" name=""/>
+        <p:cNvGrpSpPr/>
+        <p:nvPr/>
+      </p:nvGrpSpPr>
+      <p:grpSpPr>
+        <a:xfrm>
+          <a:off x="0" y="0"/>
+          <a:ext cx="0" cy="0"/>
+          <a:chOff x="0" y="0"/>
+          <a:chExt cx="0" cy="0"/>
+        </a:xfrm>
+      </p:grpSpPr>
+      <p:sp>
+        <p:nvSpPr>
+          <p:cNvPr id="2" name="标题 1"/>
+          <p:cNvSpPr>
+            <a:spLocks noGrp="1"/>
+          </p:cNvSpPr>
+          <p:nvPr>
+            <p:ph type="title"/>
+          </p:nvPr>
+        </p:nvSpPr>
+        <p:spPr/>
+        <p:txBody>
+          <a:bodyPr/>
+          <a:lstStyle/>
+          <a:p>
+            <a:r>
+              <a:rPr lang="en-US" altLang="zh-CN" dirty="0" smtClean="0"/>
+              <a:t>T3 </a:t>
+            </a:r>
+            <a:r>
+              <a:rPr lang="zh-CN" altLang="en-US" dirty="0"/>
+              <a:t>摆渡车</a:t>
+            </a:r>
+          </a:p>
+        </p:txBody>
+      </p:sp>
+      <p:sp>
+        <p:nvSpPr>
+          <p:cNvPr id="3" name="内容占位符 2"/>
+          <p:cNvSpPr>
+            <a:spLocks noGrp="1"/>
+          </p:cNvSpPr>
+          <p:nvPr>
+            <p:ph idx="1"/>
+          </p:nvPr>
+        </p:nvSpPr>
+        <p:spPr/>
+        <p:txBody>
+          <a:bodyPr>
+            <a:normAutofit/>
+          </a:bodyPr>
+          <a:lstStyle/>
+          <a:p>
+            <a:r>
+              <a:rPr lang="zh-CN" altLang="en-US" dirty="0" smtClean="0"/>
               <a:t>怎么实现“记忆化搜索”呢？</a:t>
             </a:r>
             <a:endParaRPr lang="en-US" altLang="zh-CN" dirty="0" smtClean="0"/>
@@ -8497,13 +8728,7 @@
               <a:rPr lang="en-US" altLang="zh-CN" dirty="0" smtClean="0">
                 <a:hlinkClick r:id="rId3" action="ppaction://hlinkfile"/>
               </a:rPr>
-              <a:t>r</a:t>
-            </a:r>
-            <a:r>
-              <a:rPr lang="en-US" altLang="zh-CN" dirty="0" smtClean="0">
-                <a:hlinkClick r:id="rId3" action="ppaction://hlinkfile"/>
-              </a:rPr>
-              <a:t>esources/bus_memory_search.cpp</a:t>
+              <a:t>resources/bus_memory_search.cpp</a:t>
             </a:r>
             <a:endParaRPr lang="en-US" altLang="zh-CN" dirty="0" smtClean="0"/>
           </a:p>
@@ -8712,7 +8937,7 @@
 </p:sld>
 </file>
 
-<file path=ppt/slides/slide25.xml><?xml version="1.0" encoding="utf-8"?>
+<file path=ppt/slides/slide26.xml><?xml version="1.0" encoding="utf-8"?>
 <p:sld xmlns:a="http://schemas.openxmlformats.org/drawingml/2006/main" xmlns:r="http://schemas.openxmlformats.org/officeDocument/2006/relationships" xmlns:p="http://schemas.openxmlformats.org/presentationml/2006/main">
   <p:cSld>
     <p:spTree>
@@ -8800,11 +9025,7 @@
           <a:p>
             <a:r>
               <a:rPr lang="zh-CN" altLang="en-US" dirty="0" smtClean="0"/>
-              <a:t>每</a:t>
-            </a:r>
-            <a:r>
-              <a:rPr lang="zh-CN" altLang="en-US" dirty="0" smtClean="0"/>
-              <a:t>一对</a:t>
+              <a:t>每一对</a:t>
             </a:r>
             <a:r>
               <a:rPr lang="en-US" altLang="zh-CN" dirty="0" smtClean="0"/>
@@ -8866,11 +9087,7 @@
           <a:p>
             <a:r>
               <a:rPr lang="zh-CN" altLang="en-US" dirty="0" smtClean="0"/>
-              <a:t>时间复杂</a:t>
-            </a:r>
-            <a:r>
-              <a:rPr lang="zh-CN" altLang="en-US" dirty="0" smtClean="0"/>
-              <a:t>度为</a:t>
+              <a:t>时间复杂度为</a:t>
             </a:r>
             <a:r>
               <a:rPr lang="en-US" altLang="zh-CN" dirty="0" smtClean="0"/>
@@ -9156,7 +9373,7 @@
 </p:sld>
 </file>
 
-<file path=ppt/slides/slide26.xml><?xml version="1.0" encoding="utf-8"?>
+<file path=ppt/slides/slide27.xml><?xml version="1.0" encoding="utf-8"?>
 <p:sld xmlns:a="http://schemas.openxmlformats.org/drawingml/2006/main" xmlns:r="http://schemas.openxmlformats.org/officeDocument/2006/relationships" xmlns:p="http://schemas.openxmlformats.org/presentationml/2006/main">
   <p:cSld>
     <p:spTree>
@@ -9361,7 +9578,7 @@
 </p:sld>
 </file>
 
-<file path=ppt/slides/slide27.xml><?xml version="1.0" encoding="utf-8"?>
+<file path=ppt/slides/slide28.xml><?xml version="1.0" encoding="utf-8"?>
 <p:sld xmlns:a="http://schemas.openxmlformats.org/drawingml/2006/main" xmlns:r="http://schemas.openxmlformats.org/officeDocument/2006/relationships" xmlns:p="http://schemas.openxmlformats.org/presentationml/2006/main">
   <p:cSld>
     <p:spTree>
@@ -9442,46 +9659,22 @@
                   <a:srgbClr val="39C5BB"/>
                 </a:solidFill>
               </a:rPr>
-              <a:t>欢迎来到</a:t>
-            </a:r>
+              <a:t>欢迎来到南宁三中！</a:t>
+            </a:r>
+            <a:endParaRPr lang="en-US" altLang="zh-CN" dirty="0" smtClean="0">
+              <a:solidFill>
+                <a:srgbClr val="39C5BB"/>
+              </a:solidFill>
+            </a:endParaRPr>
+          </a:p>
+          <a:p>
             <a:r>
               <a:rPr lang="zh-CN" altLang="en-US" dirty="0" smtClean="0">
                 <a:solidFill>
                   <a:srgbClr val="39C5BB"/>
                 </a:solidFill>
               </a:rPr>
-              <a:t>南宁三</a:t>
-            </a:r>
-            <a:r>
-              <a:rPr lang="zh-CN" altLang="en-US" dirty="0" smtClean="0">
-                <a:solidFill>
-                  <a:srgbClr val="39C5BB"/>
-                </a:solidFill>
-              </a:rPr>
-              <a:t>中！</a:t>
-            </a:r>
-            <a:endParaRPr lang="en-US" altLang="zh-CN" dirty="0" smtClean="0">
-              <a:solidFill>
-                <a:srgbClr val="39C5BB"/>
-              </a:solidFill>
-            </a:endParaRPr>
-          </a:p>
-          <a:p>
-            <a:r>
-              <a:rPr lang="zh-CN" altLang="en-US" dirty="0" smtClean="0">
-                <a:solidFill>
-                  <a:srgbClr val="39C5BB"/>
-                </a:solidFill>
-              </a:rPr>
-              <a:t>在三</a:t>
-            </a:r>
-            <a:r>
-              <a:rPr lang="zh-CN" altLang="en-US" dirty="0" smtClean="0">
-                <a:solidFill>
-                  <a:srgbClr val="39C5BB"/>
-                </a:solidFill>
-              </a:rPr>
-              <a:t>中领略丰富多彩的</a:t>
+              <a:t>在三中领略丰富多彩的</a:t>
             </a:r>
             <a:r>
               <a:rPr lang="en-US" altLang="zh-CN" dirty="0" smtClean="0">
@@ -9497,15 +9690,7 @@
                   <a:srgbClr val="39C5BB"/>
                 </a:solidFill>
               </a:rPr>
-              <a:t>生活</a:t>
-            </a:r>
-            <a:r>
-              <a:rPr lang="zh-CN" altLang="en-US" dirty="0" smtClean="0">
-                <a:solidFill>
-                  <a:srgbClr val="39C5BB"/>
-                </a:solidFill>
-              </a:rPr>
-              <a:t>！</a:t>
+              <a:t>生活！</a:t>
             </a:r>
             <a:endParaRPr lang="en-US" altLang="zh-CN" dirty="0" smtClean="0">
               <a:solidFill>
@@ -10179,7 +10364,7 @@
           <a:blip r:embed="rId3">
             <a:extLst>
               <a:ext uri="{28A0092B-C50C-407E-A947-70E740481C1C}">
-                <a14:useLocalDpi xmlns:a14="http://schemas.microsoft.com/office/drawing/2010/main" xmlns="" val="0"/>
+                <a14:useLocalDpi xmlns:a14="http://schemas.microsoft.com/office/drawing/2010/main" val="0"/>
               </a:ext>
             </a:extLst>
           </a:blip>
@@ -10273,23 +10458,51 @@
           <a:p>
             <a:r>
               <a:rPr lang="zh-CN" altLang="en-US" dirty="0" smtClean="0"/>
-              <a:t>这题还有使用</a:t>
-            </a:r>
-            <a:r>
-              <a:rPr lang="en-US" altLang="zh-CN" dirty="0" err="1" smtClean="0"/>
+              <a:t>这题还有</a:t>
+            </a:r>
+            <a:r>
+              <a:rPr lang="zh-CN" altLang="en-US" dirty="0" smtClean="0">
+                <a:hlinkClick r:id="rId2" action="ppaction://hlinkfile"/>
+              </a:rPr>
+              <a:t>使用</a:t>
+            </a:r>
+            <a:r>
+              <a:rPr lang="en-US" altLang="zh-CN" dirty="0" err="1" smtClean="0">
+                <a:hlinkClick r:id="rId2" action="ppaction://hlinkfile"/>
+              </a:rPr>
               <a:t>scanf</a:t>
             </a:r>
             <a:r>
-              <a:rPr lang="zh-CN" altLang="en-US" dirty="0" smtClean="0"/>
-              <a:t>的做法和使用</a:t>
-            </a:r>
-            <a:r>
-              <a:rPr lang="en-US" altLang="zh-CN" dirty="0" err="1" smtClean="0"/>
+              <a:rPr lang="zh-CN" altLang="en-US" dirty="0" smtClean="0">
+                <a:hlinkClick r:id="rId2" action="ppaction://hlinkfile"/>
+              </a:rPr>
+              <a:t>的做法</a:t>
+            </a:r>
+            <a:r>
+              <a:rPr lang="zh-CN" altLang="en-US" dirty="0" smtClean="0"/>
+              <a:t>和</a:t>
+            </a:r>
+            <a:r>
+              <a:rPr lang="zh-CN" altLang="en-US" dirty="0" smtClean="0">
+                <a:hlinkClick r:id="rId3" action="ppaction://hlinkfile"/>
+              </a:rPr>
+              <a:t>使用</a:t>
+            </a:r>
+            <a:r>
+              <a:rPr lang="en-US" altLang="zh-CN" dirty="0" err="1" smtClean="0">
+                <a:hlinkClick r:id="rId3" action="ppaction://hlinkfile"/>
+              </a:rPr>
               <a:t>cin</a:t>
             </a:r>
             <a:r>
-              <a:rPr lang="zh-CN" altLang="en-US" dirty="0" smtClean="0"/>
-              <a:t>的做法，见代码仓库。</a:t>
+              <a:rPr lang="zh-CN" altLang="en-US" dirty="0" smtClean="0">
+                <a:hlinkClick r:id="rId3" action="ppaction://hlinkfile"/>
+              </a:rPr>
+              <a:t>的做法</a:t>
+            </a:r>
+            <a:r>
+              <a:rPr lang="zh-CN" altLang="en-US" dirty="0" smtClean="0"/>
+              <a:t>，见代码仓库。</a:t>
             </a:r>
             <a:endParaRPr lang="en-US" altLang="zh-CN" dirty="0" smtClean="0"/>
           </a:p>
@@ -11263,7 +11476,7 @@
   <a:extraClrSchemeLst/>
   <a:extLst>
     <a:ext uri="{05A4C25C-085E-4340-85A3-A5531E510DB2}">
-      <thm15:themeFamily xmlns:thm15="http://schemas.microsoft.com/office/thememl/2012/main" xmlns="" name="Office Theme" id="{62F939B6-93AF-4DB8-9C6B-D6C7DFDC589F}" vid="{4A3C46E8-61CC-4603-A589-7422A47A8E4A}"/>
+      <thm15:themeFamily xmlns:thm15="http://schemas.microsoft.com/office/thememl/2012/main" name="Office Theme" id="{62F939B6-93AF-4DB8-9C6B-D6C7DFDC589F}" vid="{4A3C46E8-61CC-4603-A589-7422A47A8E4A}"/>
     </a:ext>
   </a:extLst>
 </a:theme>
@@ -11553,7 +11766,7 @@
   <a:extraClrSchemeLst/>
   <a:extLst>
     <a:ext uri="{05A4C25C-085E-4340-85A3-A5531E510DB2}">
-      <thm15:themeFamily xmlns:thm15="http://schemas.microsoft.com/office/thememl/2012/main" xmlns="" name="Office Theme" id="{62F939B6-93AF-4DB8-9C6B-D6C7DFDC589F}" vid="{4A3C46E8-61CC-4603-A589-7422A47A8E4A}"/>
+      <thm15:themeFamily xmlns:thm15="http://schemas.microsoft.com/office/thememl/2012/main" name="Office Theme" id="{62F939B6-93AF-4DB8-9C6B-D6C7DFDC589F}" vid="{4A3C46E8-61CC-4603-A589-7422A47A8E4A}"/>
     </a:ext>
   </a:extLst>
 </a:theme>
